--- a/03-von-der-applikation-zum-kubernetes-deployment/deeptalk-03.pptx
+++ b/03-von-der-applikation-zum-kubernetes-deployment/deeptalk-03.pptx
@@ -5,10 +5,10 @@
     <p:sldMasterId id="2147483648" r:id="rId1"/>
   </p:sldMasterIdLst>
   <p:notesMasterIdLst>
-    <p:notesMasterId r:id="rId16"/>
+    <p:notesMasterId r:id="rId17"/>
   </p:notesMasterIdLst>
   <p:handoutMasterIdLst>
-    <p:handoutMasterId r:id="rId17"/>
+    <p:handoutMasterId r:id="rId18"/>
   </p:handoutMasterIdLst>
   <p:sldIdLst>
     <p:sldId id="471" r:id="rId2"/>
@@ -20,35 +20,36 @@
     <p:sldId id="519" r:id="rId8"/>
     <p:sldId id="524" r:id="rId9"/>
     <p:sldId id="521" r:id="rId10"/>
-    <p:sldId id="520" r:id="rId11"/>
-    <p:sldId id="525" r:id="rId12"/>
-    <p:sldId id="509" r:id="rId13"/>
-    <p:sldId id="499" r:id="rId14"/>
-    <p:sldId id="495" r:id="rId15"/>
+    <p:sldId id="526" r:id="rId11"/>
+    <p:sldId id="520" r:id="rId12"/>
+    <p:sldId id="525" r:id="rId13"/>
+    <p:sldId id="509" r:id="rId14"/>
+    <p:sldId id="499" r:id="rId15"/>
+    <p:sldId id="495" r:id="rId16"/>
   </p:sldIdLst>
   <p:sldSz cx="9144000" cy="5715000" type="screen16x10"/>
   <p:notesSz cx="7099300" cy="10234613"/>
   <p:embeddedFontLst>
     <p:embeddedFont>
       <p:font typeface="Calibri" panose="020F0502020204030204" pitchFamily="34" charset="0"/>
-      <p:regular r:id="rId18"/>
-      <p:bold r:id="rId18"/>
-      <p:italic r:id="rId18"/>
-      <p:boldItalic r:id="rId18"/>
+      <p:regular r:id="rId19"/>
+      <p:bold r:id="rId19"/>
+      <p:italic r:id="rId19"/>
+      <p:boldItalic r:id="rId19"/>
     </p:embeddedFont>
     <p:embeddedFont>
       <p:font typeface="Helvetica" pitchFamily="2" charset="0"/>
-      <p:regular r:id="rId18"/>
-      <p:bold r:id="rId18"/>
-      <p:italic r:id="rId18"/>
-      <p:boldItalic r:id="rId18"/>
+      <p:regular r:id="rId19"/>
+      <p:bold r:id="rId19"/>
+      <p:italic r:id="rId19"/>
+      <p:boldItalic r:id="rId19"/>
     </p:embeddedFont>
     <p:embeddedFont>
       <p:font typeface="Verdana" panose="020B0604030504040204" pitchFamily="34" charset="0"/>
-      <p:regular r:id="rId18"/>
-      <p:bold r:id="rId18"/>
-      <p:italic r:id="rId18"/>
-      <p:boldItalic r:id="rId18"/>
+      <p:regular r:id="rId19"/>
+      <p:bold r:id="rId19"/>
+      <p:italic r:id="rId19"/>
+      <p:boldItalic r:id="rId19"/>
     </p:embeddedFont>
   </p:embeddedFontLst>
   <p:defaultTextStyle>
@@ -1109,7 +1110,7 @@
     </p:spTree>
     <p:extLst>
       <p:ext uri="{BB962C8B-B14F-4D97-AF65-F5344CB8AC3E}">
-        <p14:creationId xmlns:p14="http://schemas.microsoft.com/office/powerpoint/2010/main" val="1492651428"/>
+        <p14:creationId xmlns:p14="http://schemas.microsoft.com/office/powerpoint/2010/main" val="358362043"/>
       </p:ext>
     </p:extLst>
   </p:cSld>
@@ -1197,6 +1198,102 @@
                 <a:defRPr/>
               </a:pPr>
               <a:t>13</a:t>
+            </a:fld>
+            <a:endParaRPr lang="de-DE"/>
+          </a:p>
+        </p:txBody>
+      </p:sp>
+    </p:spTree>
+    <p:extLst>
+      <p:ext uri="{BB962C8B-B14F-4D97-AF65-F5344CB8AC3E}">
+        <p14:creationId xmlns:p14="http://schemas.microsoft.com/office/powerpoint/2010/main" val="1492651428"/>
+      </p:ext>
+    </p:extLst>
+  </p:cSld>
+  <p:clrMapOvr>
+    <a:masterClrMapping/>
+  </p:clrMapOvr>
+</p:notes>
+</file>
+
+<file path=ppt/notesSlides/notesSlide12.xml><?xml version="1.0" encoding="utf-8"?>
+<p:notes xmlns:a="http://schemas.openxmlformats.org/drawingml/2006/main" xmlns:r="http://schemas.openxmlformats.org/officeDocument/2006/relationships" xmlns:p="http://schemas.openxmlformats.org/presentationml/2006/main">
+  <p:cSld>
+    <p:spTree>
+      <p:nvGrpSpPr>
+        <p:cNvPr id="1" name=""/>
+        <p:cNvGrpSpPr/>
+        <p:nvPr/>
+      </p:nvGrpSpPr>
+      <p:grpSpPr>
+        <a:xfrm>
+          <a:off x="0" y="0"/>
+          <a:ext cx="0" cy="0"/>
+          <a:chOff x="0" y="0"/>
+          <a:chExt cx="0" cy="0"/>
+        </a:xfrm>
+      </p:grpSpPr>
+      <p:sp>
+        <p:nvSpPr>
+          <p:cNvPr id="2" name="Folienbildplatzhalter 1"/>
+          <p:cNvSpPr>
+            <a:spLocks noGrp="1" noRot="1" noChangeAspect="1"/>
+          </p:cNvSpPr>
+          <p:nvPr>
+            <p:ph type="sldImg"/>
+          </p:nvPr>
+        </p:nvSpPr>
+        <p:spPr/>
+      </p:sp>
+      <p:sp>
+        <p:nvSpPr>
+          <p:cNvPr id="3" name="Notizenplatzhalter 2"/>
+          <p:cNvSpPr>
+            <a:spLocks noGrp="1"/>
+          </p:cNvSpPr>
+          <p:nvPr>
+            <p:ph type="body" idx="1"/>
+          </p:nvPr>
+        </p:nvSpPr>
+        <p:spPr/>
+        <p:txBody>
+          <a:bodyPr/>
+          <a:lstStyle/>
+          <a:p>
+            <a:r>
+              <a:rPr lang="de-DE" dirty="0">
+                <a:hlinkClick r:id="rId3"/>
+              </a:rPr>
+              <a:t>https://www.docker.com/resources/what-container</a:t>
+            </a:r>
+            <a:endParaRPr lang="de-DE" dirty="0"/>
+          </a:p>
+        </p:txBody>
+      </p:sp>
+      <p:sp>
+        <p:nvSpPr>
+          <p:cNvPr id="4" name="Foliennummernplatzhalter 3"/>
+          <p:cNvSpPr>
+            <a:spLocks noGrp="1"/>
+          </p:cNvSpPr>
+          <p:nvPr>
+            <p:ph type="sldNum" sz="quarter" idx="5"/>
+          </p:nvPr>
+        </p:nvSpPr>
+        <p:spPr/>
+        <p:txBody>
+          <a:bodyPr/>
+          <a:lstStyle/>
+          <a:p>
+            <a:pPr>
+              <a:defRPr/>
+            </a:pPr>
+            <a:fld id="{4D8C3D32-0CEC-4E75-98FF-2FBD233904A7}" type="slidenum">
+              <a:rPr lang="de-DE" smtClean="0"/>
+              <a:pPr>
+                <a:defRPr/>
+              </a:pPr>
+              <a:t>14</a:t>
             </a:fld>
             <a:endParaRPr lang="de-DE"/>
           </a:p>
@@ -1963,7 +2060,7 @@
     </p:spTree>
     <p:extLst>
       <p:ext uri="{BB962C8B-B14F-4D97-AF65-F5344CB8AC3E}">
-        <p14:creationId xmlns:p14="http://schemas.microsoft.com/office/powerpoint/2010/main" val="3407621913"/>
+        <p14:creationId xmlns:p14="http://schemas.microsoft.com/office/powerpoint/2010/main" val="4185837795"/>
       </p:ext>
     </p:extLst>
   </p:cSld>
@@ -2059,7 +2156,7 @@
     </p:spTree>
     <p:extLst>
       <p:ext uri="{BB962C8B-B14F-4D97-AF65-F5344CB8AC3E}">
-        <p14:creationId xmlns:p14="http://schemas.microsoft.com/office/powerpoint/2010/main" val="358362043"/>
+        <p14:creationId xmlns:p14="http://schemas.microsoft.com/office/powerpoint/2010/main" val="3407621913"/>
       </p:ext>
     </p:extLst>
   </p:cSld>
@@ -4903,7 +5000,7 @@
           <a:p>
             <a:r>
               <a:rPr lang="de-DE" dirty="0"/>
-              <a:t>Best Practice: „imperatives“ erzeugen von Manifesten</a:t>
+              <a:t>Zusammenhang zwischen k8s-Objekten einer Komponente</a:t>
             </a:r>
           </a:p>
         </p:txBody>
@@ -4927,237 +5024,193 @@
         <p:spPr/>
         <p:txBody>
           <a:bodyPr>
-            <a:normAutofit/>
+            <a:normAutofit fontScale="85000" lnSpcReduction="20000"/>
           </a:bodyPr>
           <a:lstStyle/>
           <a:p>
             <a:r>
+              <a:rPr lang="de-DE" dirty="0"/>
+              <a:t>Beispiel: </a:t>
+            </a:r>
+            <a:r>
+              <a:rPr lang="de-DE" dirty="0" err="1"/>
+              <a:t>deeptalk-app</a:t>
+            </a:r>
+            <a:endParaRPr lang="de-DE" dirty="0"/>
+          </a:p>
+          <a:p>
+            <a:endParaRPr lang="de-DE" dirty="0"/>
+          </a:p>
+          <a:p>
+            <a:r>
+              <a:rPr lang="de-DE" b="1" dirty="0"/>
+              <a:t>Services</a:t>
+            </a:r>
+          </a:p>
+          <a:p>
+            <a:pPr marL="285750" indent="-285750">
+              <a:buFont typeface="Arial" panose="020B0604020202020204" pitchFamily="34" charset="0"/>
+              <a:buChar char="•"/>
+            </a:pPr>
+            <a:r>
+              <a:rPr lang="de-DE" dirty="0" err="1"/>
+              <a:t>LabelSelector</a:t>
+            </a:r>
+            <a:r>
+              <a:rPr lang="de-DE" dirty="0"/>
+              <a:t> </a:t>
+            </a:r>
+            <a:r>
+              <a:rPr lang="de-DE" dirty="0">
+                <a:sym typeface="Wingdings" pitchFamily="2" charset="2"/>
+              </a:rPr>
+              <a:t> </a:t>
+            </a:r>
+            <a:r>
+              <a:rPr lang="de-DE" dirty="0" err="1"/>
+              <a:t>Pods</a:t>
+            </a:r>
+            <a:r>
+              <a:rPr lang="de-DE" dirty="0"/>
+              <a:t> </a:t>
+            </a:r>
+          </a:p>
+          <a:p>
+            <a:endParaRPr lang="de-DE" dirty="0"/>
+          </a:p>
+          <a:p>
+            <a:r>
+              <a:rPr lang="de-DE" b="1" dirty="0" err="1"/>
+              <a:t>Deployment</a:t>
+            </a:r>
+            <a:endParaRPr lang="de-DE" b="1" dirty="0"/>
+          </a:p>
+          <a:p>
+            <a:pPr marL="285750" indent="-285750">
+              <a:buFont typeface="Arial" panose="020B0604020202020204" pitchFamily="34" charset="0"/>
+              <a:buChar char="•"/>
+            </a:pPr>
+            <a:r>
+              <a:rPr lang="de-DE" dirty="0" err="1"/>
+              <a:t>LabelSelector</a:t>
+            </a:r>
+            <a:r>
+              <a:rPr lang="de-DE" dirty="0"/>
+              <a:t> </a:t>
+            </a:r>
+            <a:r>
+              <a:rPr lang="de-DE" dirty="0">
+                <a:sym typeface="Wingdings" pitchFamily="2" charset="2"/>
+              </a:rPr>
+              <a:t> </a:t>
+            </a:r>
+            <a:r>
+              <a:rPr lang="de-DE" dirty="0" err="1"/>
+              <a:t>Pods</a:t>
+            </a:r>
+            <a:endParaRPr lang="de-DE" dirty="0"/>
+          </a:p>
+          <a:p>
+            <a:pPr marL="285750" indent="-285750">
+              <a:buFont typeface="Arial" panose="020B0604020202020204" pitchFamily="34" charset="0"/>
+              <a:buChar char="•"/>
+            </a:pPr>
+            <a:r>
+              <a:rPr lang="de-DE" dirty="0" err="1"/>
+              <a:t>LabelSelector</a:t>
+            </a:r>
+            <a:r>
+              <a:rPr lang="de-DE" dirty="0"/>
+              <a:t> des </a:t>
+            </a:r>
+            <a:r>
               <a:rPr lang="de-DE" dirty="0" err="1"/>
               <a:t>Deployments</a:t>
             </a:r>
+            <a:r>
+              <a:rPr lang="de-DE" dirty="0"/>
+              <a:t> entspricht </a:t>
+            </a:r>
+            <a:r>
+              <a:rPr lang="de-DE" dirty="0" err="1"/>
+              <a:t>LabelSelector</a:t>
+            </a:r>
+            <a:r>
+              <a:rPr lang="de-DE" dirty="0"/>
+              <a:t> des Services</a:t>
+            </a:r>
+          </a:p>
+          <a:p>
+            <a:pPr marL="285750" indent="-285750">
+              <a:buFont typeface="Arial" panose="020B0604020202020204" pitchFamily="34" charset="0"/>
+              <a:buChar char="•"/>
+            </a:pPr>
+            <a:r>
+              <a:rPr lang="de-DE" dirty="0"/>
+              <a:t>Name </a:t>
+            </a:r>
+            <a:r>
+              <a:rPr lang="de-DE" dirty="0">
+                <a:sym typeface="Wingdings" pitchFamily="2" charset="2"/>
+              </a:rPr>
+              <a:t> </a:t>
+            </a:r>
+            <a:r>
+              <a:rPr lang="de-DE" dirty="0" err="1">
+                <a:sym typeface="Wingdings" pitchFamily="2" charset="2"/>
+              </a:rPr>
+              <a:t>ConfigMap</a:t>
+            </a:r>
             <a:endParaRPr lang="de-DE" dirty="0"/>
           </a:p>
           <a:p>
-            <a:r>
-              <a:rPr lang="de-DE" sz="1000" dirty="0" err="1"/>
-              <a:t>kubectl</a:t>
-            </a:r>
-            <a:r>
-              <a:rPr lang="de-DE" sz="1000" dirty="0"/>
-              <a:t> </a:t>
-            </a:r>
-            <a:r>
-              <a:rPr lang="de-DE" sz="1000" dirty="0" err="1"/>
-              <a:t>create</a:t>
-            </a:r>
-            <a:r>
-              <a:rPr lang="de-DE" sz="1000" dirty="0"/>
-              <a:t> </a:t>
-            </a:r>
-            <a:r>
-              <a:rPr lang="de-DE" sz="1000" dirty="0" err="1"/>
-              <a:t>deployment</a:t>
-            </a:r>
-            <a:r>
-              <a:rPr lang="de-DE" sz="1000" dirty="0"/>
-              <a:t> </a:t>
-            </a:r>
-            <a:r>
-              <a:rPr lang="de-DE" sz="1000" dirty="0" err="1"/>
-              <a:t>nginx</a:t>
-            </a:r>
-            <a:r>
-              <a:rPr lang="de-DE" sz="1000" dirty="0"/>
-              <a:t> --image=</a:t>
-            </a:r>
-            <a:r>
-              <a:rPr lang="de-DE" sz="1000" dirty="0" err="1"/>
-              <a:t>nginx</a:t>
-            </a:r>
-            <a:r>
-              <a:rPr lang="de-DE" sz="1000" dirty="0"/>
-              <a:t> --dry-run -o </a:t>
-            </a:r>
-            <a:r>
-              <a:rPr lang="de-DE" sz="1000" dirty="0" err="1"/>
-              <a:t>yaml</a:t>
-            </a:r>
-            <a:r>
-              <a:rPr lang="de-DE" sz="1000" dirty="0"/>
-              <a:t> &gt; </a:t>
-            </a:r>
-            <a:r>
-              <a:rPr lang="de-DE" sz="1000" dirty="0" err="1"/>
-              <a:t>deployment.yaml</a:t>
-            </a:r>
-            <a:endParaRPr lang="de-DE" sz="1000" dirty="0"/>
-          </a:p>
-          <a:p>
             <a:endParaRPr lang="de-DE" dirty="0"/>
           </a:p>
           <a:p>
             <a:r>
+              <a:rPr lang="de-DE" b="1" dirty="0" err="1"/>
+              <a:t>ConfigMap</a:t>
+            </a:r>
+            <a:endParaRPr lang="de-DE" b="1" dirty="0"/>
+          </a:p>
+          <a:p>
+            <a:pPr marL="285750" indent="-285750">
+              <a:buFont typeface="Arial" panose="020B0604020202020204" pitchFamily="34" charset="0"/>
+              <a:buChar char="•"/>
+            </a:pPr>
+            <a:r>
               <a:rPr lang="de-DE" dirty="0"/>
-              <a:t>Services </a:t>
-            </a:r>
-          </a:p>
-          <a:p>
-            <a:r>
-              <a:rPr lang="de-DE" sz="1000" dirty="0" err="1"/>
-              <a:t>kubectl</a:t>
-            </a:r>
-            <a:r>
-              <a:rPr lang="de-DE" sz="1000" dirty="0"/>
-              <a:t> </a:t>
-            </a:r>
-            <a:r>
-              <a:rPr lang="de-DE" sz="1000" dirty="0" err="1"/>
-              <a:t>expose</a:t>
-            </a:r>
-            <a:r>
-              <a:rPr lang="de-DE" sz="1000" dirty="0"/>
-              <a:t> </a:t>
-            </a:r>
-            <a:r>
-              <a:rPr lang="de-DE" sz="1000" dirty="0" err="1"/>
-              <a:t>deployment</a:t>
-            </a:r>
-            <a:r>
-              <a:rPr lang="de-DE" sz="1000" dirty="0"/>
-              <a:t> </a:t>
-            </a:r>
-            <a:r>
-              <a:rPr lang="de-DE" sz="1000" dirty="0" err="1"/>
-              <a:t>nginx</a:t>
-            </a:r>
-            <a:r>
-              <a:rPr lang="de-DE" sz="1000" dirty="0"/>
-              <a:t> --</a:t>
-            </a:r>
-            <a:r>
-              <a:rPr lang="de-DE" sz="1000" dirty="0" err="1"/>
-              <a:t>port</a:t>
-            </a:r>
-            <a:r>
-              <a:rPr lang="de-DE" sz="1000" dirty="0"/>
-              <a:t>=80 --dry-run -o </a:t>
-            </a:r>
-            <a:r>
-              <a:rPr lang="de-DE" sz="1000" dirty="0" err="1"/>
-              <a:t>yaml</a:t>
-            </a:r>
-            <a:r>
-              <a:rPr lang="de-DE" sz="1000" dirty="0"/>
-              <a:t> &gt; </a:t>
-            </a:r>
-            <a:r>
-              <a:rPr lang="de-DE" sz="1000" dirty="0" err="1"/>
-              <a:t>service.yaml</a:t>
-            </a:r>
-            <a:r>
-              <a:rPr lang="de-DE" sz="1000" dirty="0"/>
-              <a:t> </a:t>
-            </a:r>
-          </a:p>
-          <a:p>
-            <a:r>
-              <a:rPr lang="de-DE" sz="1000" dirty="0"/>
-              <a:t>(wenn </a:t>
-            </a:r>
-            <a:r>
-              <a:rPr lang="de-DE" sz="1000" dirty="0" err="1"/>
-              <a:t>Deployment</a:t>
-            </a:r>
-            <a:r>
-              <a:rPr lang="de-DE" sz="1000" dirty="0"/>
-              <a:t> existiert)</a:t>
-            </a:r>
-          </a:p>
-          <a:p>
-            <a:endParaRPr lang="de-DE" dirty="0"/>
-          </a:p>
-          <a:p>
-            <a:r>
-              <a:rPr lang="de-DE" dirty="0" err="1"/>
-              <a:t>ConfigMaps</a:t>
-            </a:r>
-            <a:endParaRPr lang="de-DE" dirty="0"/>
-          </a:p>
-          <a:p>
-            <a:r>
-              <a:rPr lang="de-DE" sz="1000" dirty="0" err="1"/>
-              <a:t>kubectl</a:t>
-            </a:r>
-            <a:r>
-              <a:rPr lang="de-DE" sz="1000" dirty="0"/>
-              <a:t> </a:t>
-            </a:r>
-            <a:r>
-              <a:rPr lang="de-DE" sz="1000" dirty="0" err="1"/>
-              <a:t>create</a:t>
-            </a:r>
-            <a:r>
-              <a:rPr lang="de-DE" sz="1000" dirty="0"/>
-              <a:t> </a:t>
-            </a:r>
-            <a:r>
-              <a:rPr lang="de-DE" sz="1000" dirty="0" err="1"/>
-              <a:t>configmap</a:t>
-            </a:r>
-            <a:r>
-              <a:rPr lang="de-DE" sz="1000" dirty="0"/>
-              <a:t> </a:t>
-            </a:r>
-            <a:r>
-              <a:rPr lang="de-DE" sz="1000" dirty="0" err="1"/>
-              <a:t>user</a:t>
-            </a:r>
-            <a:r>
-              <a:rPr lang="de-DE" sz="1000" dirty="0"/>
-              <a:t> --</a:t>
-            </a:r>
-            <a:r>
-              <a:rPr lang="de-DE" sz="1000" dirty="0" err="1"/>
-              <a:t>from-literal</a:t>
-            </a:r>
-            <a:r>
-              <a:rPr lang="de-DE" sz="1000" dirty="0"/>
-              <a:t>=USER=</a:t>
-            </a:r>
-            <a:r>
-              <a:rPr lang="de-DE" sz="1000" dirty="0" err="1"/>
-              <a:t>user</a:t>
-            </a:r>
-            <a:r>
-              <a:rPr lang="de-DE" sz="1000" dirty="0"/>
-              <a:t> --dry-run –o </a:t>
-            </a:r>
-            <a:r>
-              <a:rPr lang="de-DE" sz="1000" dirty="0" err="1"/>
-              <a:t>yaml</a:t>
-            </a:r>
-            <a:r>
-              <a:rPr lang="de-DE" sz="1000" dirty="0"/>
-              <a:t> &gt; </a:t>
-            </a:r>
-            <a:r>
-              <a:rPr lang="de-DE" sz="1000" dirty="0" err="1"/>
-              <a:t>cm.yaml</a:t>
-            </a:r>
-            <a:endParaRPr lang="de-DE" sz="1000" dirty="0"/>
-          </a:p>
-          <a:p>
-            <a:endParaRPr lang="de-DE" sz="1000" dirty="0"/>
-          </a:p>
-          <a:p>
-            <a:endParaRPr lang="de-DE" sz="1000" dirty="0"/>
+              <a:t>Name </a:t>
+            </a:r>
+            <a:r>
+              <a:rPr lang="de-DE" dirty="0">
+                <a:sym typeface="Wingdings" pitchFamily="2" charset="2"/>
+              </a:rPr>
+              <a:t> </a:t>
+            </a:r>
+            <a:r>
+              <a:rPr lang="de-DE" dirty="0" err="1">
+                <a:sym typeface="Wingdings" pitchFamily="2" charset="2"/>
+              </a:rPr>
+              <a:t>influxdb</a:t>
+            </a:r>
+            <a:r>
+              <a:rPr lang="de-DE" dirty="0">
+                <a:sym typeface="Wingdings" pitchFamily="2" charset="2"/>
+              </a:rPr>
+              <a:t>-service </a:t>
+            </a:r>
+            <a:r>
+              <a:rPr lang="de-DE" dirty="0"/>
+              <a:t>(INFLUX_HOST) </a:t>
+            </a:r>
           </a:p>
         </p:txBody>
       </p:sp>
     </p:spTree>
     <p:extLst>
       <p:ext uri="{BB962C8B-B14F-4D97-AF65-F5344CB8AC3E}">
-        <p14:creationId xmlns:p14="http://schemas.microsoft.com/office/powerpoint/2010/main" val="3291487581"/>
+        <p14:creationId xmlns:p14="http://schemas.microsoft.com/office/powerpoint/2010/main" val="3177627047"/>
       </p:ext>
     </p:extLst>
   </p:cSld>
@@ -5207,7 +5260,7 @@
           <a:p>
             <a:r>
               <a:rPr lang="de-DE" dirty="0"/>
-              <a:t>Manifeste anwenden</a:t>
+              <a:t>Effektives Erzeugen der Manifeste</a:t>
             </a:r>
           </a:p>
         </p:txBody>
@@ -5235,32 +5288,233 @@
           </a:bodyPr>
           <a:lstStyle/>
           <a:p>
-            <a:endParaRPr lang="de-DE" sz="2800" dirty="0"/>
-          </a:p>
-          <a:p>
-            <a:r>
-              <a:rPr lang="de-DE" sz="2800" dirty="0" err="1"/>
+            <a:r>
+              <a:rPr lang="de-DE" dirty="0" err="1"/>
+              <a:t>Deployments</a:t>
+            </a:r>
+            <a:endParaRPr lang="de-DE" dirty="0"/>
+          </a:p>
+          <a:p>
+            <a:r>
+              <a:rPr lang="de-DE" sz="1000" dirty="0" err="1"/>
               <a:t>kubectl</a:t>
             </a:r>
             <a:r>
-              <a:rPr lang="de-DE" sz="2800" dirty="0"/>
+              <a:rPr lang="de-DE" sz="1000" dirty="0"/>
               <a:t> </a:t>
             </a:r>
             <a:r>
-              <a:rPr lang="de-DE" sz="2800" dirty="0" err="1"/>
+              <a:rPr lang="de-DE" sz="1000" dirty="0" err="1"/>
               <a:t>create</a:t>
             </a:r>
             <a:r>
-              <a:rPr lang="de-DE" sz="2800" dirty="0"/>
-              <a:t> –f .</a:t>
-            </a:r>
+              <a:rPr lang="de-DE" sz="1000" dirty="0"/>
+              <a:t> </a:t>
+            </a:r>
+            <a:r>
+              <a:rPr lang="de-DE" sz="1000" dirty="0" err="1"/>
+              <a:t>deployment</a:t>
+            </a:r>
+            <a:r>
+              <a:rPr lang="de-DE" sz="1000" dirty="0"/>
+              <a:t> </a:t>
+            </a:r>
+            <a:r>
+              <a:rPr lang="de-DE" sz="1000" dirty="0" err="1"/>
+              <a:t>nginx</a:t>
+            </a:r>
+            <a:r>
+              <a:rPr lang="de-DE" sz="1000" dirty="0"/>
+              <a:t> --image=</a:t>
+            </a:r>
+            <a:r>
+              <a:rPr lang="de-DE" sz="1000" dirty="0" err="1"/>
+              <a:t>nginx</a:t>
+            </a:r>
+            <a:r>
+              <a:rPr lang="de-DE" sz="1000" dirty="0"/>
+              <a:t> --dry-run -o </a:t>
+            </a:r>
+            <a:r>
+              <a:rPr lang="de-DE" sz="1000" dirty="0" err="1"/>
+              <a:t>yaml</a:t>
+            </a:r>
+            <a:r>
+              <a:rPr lang="de-DE" sz="1000" dirty="0"/>
+              <a:t> &gt; </a:t>
+            </a:r>
+            <a:r>
+              <a:rPr lang="de-DE" sz="1000" dirty="0" err="1"/>
+              <a:t>deployment.yaml</a:t>
+            </a:r>
+            <a:endParaRPr lang="de-DE" sz="1000" dirty="0"/>
+          </a:p>
+          <a:p>
+            <a:endParaRPr lang="de-DE" dirty="0"/>
+          </a:p>
+          <a:p>
+            <a:r>
+              <a:rPr lang="de-DE" dirty="0"/>
+              <a:t>Services </a:t>
+            </a:r>
+          </a:p>
+          <a:p>
+            <a:r>
+              <a:rPr lang="de-DE" sz="1000" dirty="0" err="1"/>
+              <a:t>kubectl</a:t>
+            </a:r>
+            <a:r>
+              <a:rPr lang="de-DE" sz="1000" dirty="0"/>
+              <a:t> </a:t>
+            </a:r>
+            <a:r>
+              <a:rPr lang="de-DE" sz="1000" dirty="0" err="1"/>
+              <a:t>expose</a:t>
+            </a:r>
+            <a:r>
+              <a:rPr lang="de-DE" sz="1000" dirty="0"/>
+              <a:t> </a:t>
+            </a:r>
+            <a:r>
+              <a:rPr lang="de-DE" sz="1000" dirty="0" err="1"/>
+              <a:t>deployment</a:t>
+            </a:r>
+            <a:r>
+              <a:rPr lang="de-DE" sz="1000" dirty="0"/>
+              <a:t> </a:t>
+            </a:r>
+            <a:r>
+              <a:rPr lang="de-DE" sz="1000" dirty="0" err="1"/>
+              <a:t>nginx</a:t>
+            </a:r>
+            <a:r>
+              <a:rPr lang="de-DE" sz="1000" dirty="0"/>
+              <a:t> --</a:t>
+            </a:r>
+            <a:r>
+              <a:rPr lang="de-DE" sz="1000" dirty="0" err="1"/>
+              <a:t>port</a:t>
+            </a:r>
+            <a:r>
+              <a:rPr lang="de-DE" sz="1000" dirty="0"/>
+              <a:t>=80 --dry-run -o </a:t>
+            </a:r>
+            <a:r>
+              <a:rPr lang="de-DE" sz="1000" dirty="0" err="1"/>
+              <a:t>yaml</a:t>
+            </a:r>
+            <a:r>
+              <a:rPr lang="de-DE" sz="1000" dirty="0"/>
+              <a:t> &gt; </a:t>
+            </a:r>
+            <a:r>
+              <a:rPr lang="de-DE" sz="1000" dirty="0" err="1"/>
+              <a:t>service.yaml</a:t>
+            </a:r>
+            <a:r>
+              <a:rPr lang="de-DE" sz="1000" dirty="0"/>
+              <a:t> </a:t>
+            </a:r>
+          </a:p>
+          <a:p>
+            <a:r>
+              <a:rPr lang="de-DE" sz="1000" dirty="0"/>
+              <a:t>(wenn </a:t>
+            </a:r>
+            <a:r>
+              <a:rPr lang="de-DE" sz="1000" dirty="0" err="1"/>
+              <a:t>Deployment</a:t>
+            </a:r>
+            <a:r>
+              <a:rPr lang="de-DE" sz="1000" dirty="0"/>
+              <a:t> existiert)</a:t>
+            </a:r>
+          </a:p>
+          <a:p>
+            <a:endParaRPr lang="de-DE" dirty="0"/>
+          </a:p>
+          <a:p>
+            <a:r>
+              <a:rPr lang="de-DE" dirty="0" err="1"/>
+              <a:t>ConfigMaps</a:t>
+            </a:r>
+            <a:endParaRPr lang="de-DE" dirty="0"/>
+          </a:p>
+          <a:p>
+            <a:r>
+              <a:rPr lang="de-DE" sz="1000" dirty="0" err="1"/>
+              <a:t>kubectl</a:t>
+            </a:r>
+            <a:r>
+              <a:rPr lang="de-DE" sz="1000" dirty="0"/>
+              <a:t> </a:t>
+            </a:r>
+            <a:r>
+              <a:rPr lang="de-DE" sz="1000" dirty="0" err="1"/>
+              <a:t>create</a:t>
+            </a:r>
+            <a:r>
+              <a:rPr lang="de-DE" sz="1000" dirty="0"/>
+              <a:t> </a:t>
+            </a:r>
+            <a:r>
+              <a:rPr lang="de-DE" sz="1000" dirty="0" err="1"/>
+              <a:t>configmap</a:t>
+            </a:r>
+            <a:r>
+              <a:rPr lang="de-DE" sz="1000" dirty="0"/>
+              <a:t> </a:t>
+            </a:r>
+            <a:r>
+              <a:rPr lang="de-DE" sz="1000" dirty="0" err="1"/>
+              <a:t>user</a:t>
+            </a:r>
+            <a:r>
+              <a:rPr lang="de-DE" sz="1000" dirty="0"/>
+              <a:t> --</a:t>
+            </a:r>
+            <a:r>
+              <a:rPr lang="de-DE" sz="1000" dirty="0" err="1"/>
+              <a:t>from-literal</a:t>
+            </a:r>
+            <a:r>
+              <a:rPr lang="de-DE" sz="1000" dirty="0"/>
+              <a:t>=USER=</a:t>
+            </a:r>
+            <a:r>
+              <a:rPr lang="de-DE" sz="1000" dirty="0" err="1"/>
+              <a:t>user</a:t>
+            </a:r>
+            <a:r>
+              <a:rPr lang="de-DE" sz="1000" dirty="0"/>
+              <a:t> --dry-run –o </a:t>
+            </a:r>
+            <a:r>
+              <a:rPr lang="de-DE" sz="1000" dirty="0" err="1"/>
+              <a:t>yaml</a:t>
+            </a:r>
+            <a:r>
+              <a:rPr lang="de-DE" sz="1000" dirty="0"/>
+              <a:t> &gt; </a:t>
+            </a:r>
+            <a:r>
+              <a:rPr lang="de-DE" sz="1000" dirty="0" err="1"/>
+              <a:t>cm.yaml</a:t>
+            </a:r>
+            <a:endParaRPr lang="de-DE" sz="1000" dirty="0"/>
+          </a:p>
+          <a:p>
+            <a:endParaRPr lang="de-DE" sz="1000" dirty="0"/>
+          </a:p>
+          <a:p>
+            <a:endParaRPr lang="de-DE" sz="1000" dirty="0"/>
           </a:p>
         </p:txBody>
       </p:sp>
     </p:spTree>
     <p:extLst>
       <p:ext uri="{BB962C8B-B14F-4D97-AF65-F5344CB8AC3E}">
-        <p14:creationId xmlns:p14="http://schemas.microsoft.com/office/powerpoint/2010/main" val="3156348800"/>
+        <p14:creationId xmlns:p14="http://schemas.microsoft.com/office/powerpoint/2010/main" val="3291487581"/>
       </p:ext>
     </p:extLst>
   </p:cSld>
@@ -5309,10 +5563,9 @@
           <a:lstStyle/>
           <a:p>
             <a:r>
-              <a:rPr lang="de-DE" dirty="0" err="1"/>
-              <a:t>Takeaways</a:t>
-            </a:r>
-            <a:endParaRPr lang="de-DE" dirty="0"/>
+              <a:rPr lang="de-DE" dirty="0"/>
+              <a:t>Installation</a:t>
+            </a:r>
           </a:p>
         </p:txBody>
       </p:sp>
@@ -5339,111 +5592,53 @@
           </a:bodyPr>
           <a:lstStyle/>
           <a:p>
-            <a:pPr marL="285750" indent="-285750">
-              <a:buFont typeface="Arial" panose="020B0604020202020204" pitchFamily="34" charset="0"/>
-              <a:buChar char="•"/>
-            </a:pPr>
-            <a:r>
-              <a:rPr lang="de-DE" dirty="0"/>
-              <a:t>Es sind einige Schritte in den k8s-Cluster:</a:t>
-            </a:r>
-          </a:p>
-          <a:p>
-            <a:pPr marL="552450" lvl="1" indent="-285750">
-              <a:buFont typeface="Arial" panose="020B0604020202020204" pitchFamily="34" charset="0"/>
-              <a:buChar char="•"/>
-            </a:pPr>
-            <a:r>
-              <a:rPr lang="de-DE" dirty="0"/>
-              <a:t>Architektur der App muss geeignet sein (</a:t>
-            </a:r>
-            <a:r>
-              <a:rPr lang="de-DE" dirty="0" err="1"/>
-              <a:t>Microservices</a:t>
-            </a:r>
-            <a:r>
-              <a:rPr lang="de-DE" dirty="0"/>
-              <a:t>)</a:t>
-            </a:r>
-          </a:p>
-          <a:p>
-            <a:pPr marL="552450" lvl="1" indent="-285750">
-              <a:buFont typeface="Arial" panose="020B0604020202020204" pitchFamily="34" charset="0"/>
-              <a:buChar char="•"/>
-            </a:pPr>
-            <a:r>
-              <a:rPr lang="de-DE" dirty="0" err="1"/>
-              <a:t>Containerisierung</a:t>
-            </a:r>
-            <a:endParaRPr lang="de-DE" dirty="0"/>
-          </a:p>
-          <a:p>
-            <a:pPr marL="552450" lvl="1" indent="-285750">
-              <a:buFont typeface="Arial" panose="020B0604020202020204" pitchFamily="34" charset="0"/>
-              <a:buChar char="•"/>
-            </a:pPr>
-            <a:r>
-              <a:rPr lang="de-DE" dirty="0"/>
-              <a:t>Bereitstellung der Container</a:t>
-            </a:r>
-          </a:p>
-          <a:p>
-            <a:pPr marL="552450" lvl="1" indent="-285750">
-              <a:buFont typeface="Arial" panose="020B0604020202020204" pitchFamily="34" charset="0"/>
-              <a:buChar char="•"/>
-            </a:pPr>
-            <a:r>
-              <a:rPr lang="de-DE" dirty="0"/>
-              <a:t>Ressourcen definieren</a:t>
-            </a:r>
-          </a:p>
-          <a:p>
-            <a:pPr marL="285750" indent="-285750">
-              <a:buFont typeface="Arial" panose="020B0604020202020204" pitchFamily="34" charset="0"/>
-              <a:buChar char="•"/>
-            </a:pPr>
-            <a:r>
-              <a:rPr lang="de-DE" dirty="0"/>
-              <a:t>Best Practices vereinfachen Entwicklung von Manifesten</a:t>
-            </a:r>
-          </a:p>
-          <a:p>
-            <a:pPr marL="285750" indent="-285750">
-              <a:buFont typeface="Arial" panose="020B0604020202020204" pitchFamily="34" charset="0"/>
-              <a:buChar char="•"/>
-            </a:pPr>
-            <a:r>
-              <a:rPr lang="de-DE" dirty="0" err="1"/>
+            <a:r>
+              <a:rPr lang="de-DE" sz="2800" dirty="0"/>
+              <a:t>1. Secret für </a:t>
+            </a:r>
+            <a:r>
+              <a:rPr lang="de-DE" sz="2800" dirty="0" err="1"/>
               <a:t>Grafana</a:t>
             </a:r>
             <a:r>
-              <a:rPr lang="de-DE" dirty="0"/>
-              <a:t> kann komfortabel konfiguriert werden (</a:t>
-            </a:r>
-            <a:r>
-              <a:rPr lang="de-DE" dirty="0" err="1"/>
-              <a:t>ConfigMap</a:t>
-            </a:r>
-            <a:r>
-              <a:rPr lang="de-DE" dirty="0"/>
-              <a:t>)</a:t>
-            </a:r>
-          </a:p>
-          <a:p>
-            <a:endParaRPr lang="de-DE" dirty="0"/>
-          </a:p>
-          <a:p>
-            <a:endParaRPr lang="de-DE" dirty="0"/>
-          </a:p>
-          <a:p>
-            <a:endParaRPr lang="de-DE" dirty="0"/>
+              <a:rPr lang="de-DE" sz="2800" dirty="0"/>
+              <a:t> erzeugen</a:t>
+            </a:r>
+          </a:p>
+          <a:p>
+            <a:r>
+              <a:rPr lang="de-DE" sz="2800" dirty="0"/>
+              <a:t>2. </a:t>
+            </a:r>
+            <a:r>
+              <a:rPr lang="de-DE" sz="2800" dirty="0" err="1"/>
+              <a:t>kubectl</a:t>
+            </a:r>
+            <a:r>
+              <a:rPr lang="de-DE" sz="2800" dirty="0"/>
+              <a:t> </a:t>
+            </a:r>
+            <a:r>
+              <a:rPr lang="de-DE" sz="2800" dirty="0" err="1"/>
+              <a:t>create</a:t>
+            </a:r>
+            <a:r>
+              <a:rPr lang="de-DE" sz="2800" dirty="0"/>
+              <a:t> –f .</a:t>
+            </a:r>
+          </a:p>
+          <a:p>
+            <a:r>
+              <a:rPr lang="de-DE" sz="2800" dirty="0"/>
+              <a:t>3. Funktionalität checken</a:t>
+            </a:r>
           </a:p>
         </p:txBody>
       </p:sp>
     </p:spTree>
     <p:extLst>
       <p:ext uri="{BB962C8B-B14F-4D97-AF65-F5344CB8AC3E}">
-        <p14:creationId xmlns:p14="http://schemas.microsoft.com/office/powerpoint/2010/main" val="3615434718"/>
+        <p14:creationId xmlns:p14="http://schemas.microsoft.com/office/powerpoint/2010/main" val="3156348800"/>
       </p:ext>
     </p:extLst>
   </p:cSld>
@@ -5493,7 +5688,7 @@
           <a:p>
             <a:r>
               <a:rPr lang="de-DE" dirty="0" err="1"/>
-              <a:t>Misc</a:t>
+              <a:t>Takeaways</a:t>
             </a:r>
             <a:endParaRPr lang="de-DE" dirty="0"/>
           </a:p>
@@ -5518,6 +5713,189 @@
         <p:spPr/>
         <p:txBody>
           <a:bodyPr>
+            <a:normAutofit/>
+          </a:bodyPr>
+          <a:lstStyle/>
+          <a:p>
+            <a:pPr marL="285750" indent="-285750">
+              <a:buFont typeface="Arial" panose="020B0604020202020204" pitchFamily="34" charset="0"/>
+              <a:buChar char="•"/>
+            </a:pPr>
+            <a:r>
+              <a:rPr lang="de-DE" dirty="0"/>
+              <a:t>Schritte in den k8s-Cluster:</a:t>
+            </a:r>
+          </a:p>
+          <a:p>
+            <a:pPr marL="552450" lvl="1" indent="-285750">
+              <a:buFont typeface="Arial" panose="020B0604020202020204" pitchFamily="34" charset="0"/>
+              <a:buChar char="•"/>
+            </a:pPr>
+            <a:r>
+              <a:rPr lang="de-DE" dirty="0"/>
+              <a:t>Architektur der App muss geeignet sein (</a:t>
+            </a:r>
+            <a:r>
+              <a:rPr lang="de-DE" dirty="0" err="1"/>
+              <a:t>Microservices</a:t>
+            </a:r>
+            <a:r>
+              <a:rPr lang="de-DE" dirty="0"/>
+              <a:t>)</a:t>
+            </a:r>
+          </a:p>
+          <a:p>
+            <a:pPr marL="552450" lvl="1" indent="-285750">
+              <a:buFont typeface="Arial" panose="020B0604020202020204" pitchFamily="34" charset="0"/>
+              <a:buChar char="•"/>
+            </a:pPr>
+            <a:r>
+              <a:rPr lang="de-DE" dirty="0" err="1"/>
+              <a:t>Containerisierung</a:t>
+            </a:r>
+            <a:endParaRPr lang="de-DE" dirty="0"/>
+          </a:p>
+          <a:p>
+            <a:pPr marL="552450" lvl="1" indent="-285750">
+              <a:buFont typeface="Arial" panose="020B0604020202020204" pitchFamily="34" charset="0"/>
+              <a:buChar char="•"/>
+            </a:pPr>
+            <a:r>
+              <a:rPr lang="de-DE" dirty="0"/>
+              <a:t>Bereitstellung der Container</a:t>
+            </a:r>
+          </a:p>
+          <a:p>
+            <a:pPr marL="552450" lvl="1" indent="-285750">
+              <a:buFont typeface="Arial" panose="020B0604020202020204" pitchFamily="34" charset="0"/>
+              <a:buChar char="•"/>
+            </a:pPr>
+            <a:r>
+              <a:rPr lang="de-DE" dirty="0"/>
+              <a:t>Ressourcen definieren</a:t>
+            </a:r>
+          </a:p>
+          <a:p>
+            <a:pPr marL="285750" indent="-285750">
+              <a:buFont typeface="Arial" panose="020B0604020202020204" pitchFamily="34" charset="0"/>
+              <a:buChar char="•"/>
+            </a:pPr>
+            <a:r>
+              <a:rPr lang="de-DE" dirty="0"/>
+              <a:t>Best Practices vereinfachen Entwicklung von Manifesten</a:t>
+            </a:r>
+          </a:p>
+          <a:p>
+            <a:pPr marL="285750" indent="-285750">
+              <a:buFont typeface="Arial" panose="020B0604020202020204" pitchFamily="34" charset="0"/>
+              <a:buChar char="•"/>
+            </a:pPr>
+            <a:r>
+              <a:rPr lang="de-DE" dirty="0" err="1"/>
+              <a:t>Grafana</a:t>
+            </a:r>
+            <a:r>
+              <a:rPr lang="de-DE" dirty="0"/>
+              <a:t> kann komfortabel konfiguriert werden (</a:t>
+            </a:r>
+            <a:r>
+              <a:rPr lang="de-DE" dirty="0" err="1"/>
+              <a:t>ConfigMap</a:t>
+            </a:r>
+            <a:r>
+              <a:rPr lang="de-DE" dirty="0"/>
+              <a:t>)</a:t>
+            </a:r>
+          </a:p>
+          <a:p>
+            <a:endParaRPr lang="de-DE" dirty="0"/>
+          </a:p>
+          <a:p>
+            <a:endParaRPr lang="de-DE" dirty="0"/>
+          </a:p>
+          <a:p>
+            <a:endParaRPr lang="de-DE" dirty="0"/>
+          </a:p>
+        </p:txBody>
+      </p:sp>
+    </p:spTree>
+    <p:extLst>
+      <p:ext uri="{BB962C8B-B14F-4D97-AF65-F5344CB8AC3E}">
+        <p14:creationId xmlns:p14="http://schemas.microsoft.com/office/powerpoint/2010/main" val="3615434718"/>
+      </p:ext>
+    </p:extLst>
+  </p:cSld>
+  <p:clrMapOvr>
+    <a:masterClrMapping/>
+  </p:clrMapOvr>
+</p:sld>
+</file>
+
+<file path=ppt/slides/slide14.xml><?xml version="1.0" encoding="utf-8"?>
+<p:sld xmlns:a="http://schemas.openxmlformats.org/drawingml/2006/main" xmlns:r="http://schemas.openxmlformats.org/officeDocument/2006/relationships" xmlns:p="http://schemas.openxmlformats.org/presentationml/2006/main">
+  <p:cSld>
+    <p:spTree>
+      <p:nvGrpSpPr>
+        <p:cNvPr id="1" name=""/>
+        <p:cNvGrpSpPr/>
+        <p:nvPr/>
+      </p:nvGrpSpPr>
+      <p:grpSpPr>
+        <a:xfrm>
+          <a:off x="0" y="0"/>
+          <a:ext cx="0" cy="0"/>
+          <a:chOff x="0" y="0"/>
+          <a:chExt cx="0" cy="0"/>
+        </a:xfrm>
+      </p:grpSpPr>
+      <p:sp>
+        <p:nvSpPr>
+          <p:cNvPr id="2" name="Titel 1">
+            <a:extLst>
+              <a:ext uri="{FF2B5EF4-FFF2-40B4-BE49-F238E27FC236}">
+                <a16:creationId xmlns:a16="http://schemas.microsoft.com/office/drawing/2014/main" id="{63E74088-BB91-574B-9695-A0121785026E}"/>
+              </a:ext>
+            </a:extLst>
+          </p:cNvPr>
+          <p:cNvSpPr>
+            <a:spLocks noGrp="1"/>
+          </p:cNvSpPr>
+          <p:nvPr>
+            <p:ph type="title"/>
+          </p:nvPr>
+        </p:nvSpPr>
+        <p:spPr/>
+        <p:txBody>
+          <a:bodyPr/>
+          <a:lstStyle/>
+          <a:p>
+            <a:r>
+              <a:rPr lang="de-DE" dirty="0" err="1"/>
+              <a:t>Misc</a:t>
+            </a:r>
+            <a:endParaRPr lang="de-DE" dirty="0"/>
+          </a:p>
+        </p:txBody>
+      </p:sp>
+      <p:sp>
+        <p:nvSpPr>
+          <p:cNvPr id="3" name="Inhaltsplatzhalter 2">
+            <a:extLst>
+              <a:ext uri="{FF2B5EF4-FFF2-40B4-BE49-F238E27FC236}">
+                <a16:creationId xmlns:a16="http://schemas.microsoft.com/office/drawing/2014/main" id="{0EEB0F87-B7B4-B946-A3AA-B4CFBE864340}"/>
+              </a:ext>
+            </a:extLst>
+          </p:cNvPr>
+          <p:cNvSpPr>
+            <a:spLocks noGrp="1"/>
+          </p:cNvSpPr>
+          <p:nvPr>
+            <p:ph idx="1"/>
+          </p:nvPr>
+        </p:nvSpPr>
+        <p:spPr/>
+        <p:txBody>
+          <a:bodyPr>
             <a:normAutofit fontScale="85000" lnSpcReduction="20000"/>
           </a:bodyPr>
           <a:lstStyle/>
@@ -5686,7 +6064,7 @@
 </p:sld>
 </file>
 
-<file path=ppt/slides/slide14.xml><?xml version="1.0" encoding="utf-8"?>
+<file path=ppt/slides/slide15.xml><?xml version="1.0" encoding="utf-8"?>
 <p:sld xmlns:a="http://schemas.openxmlformats.org/drawingml/2006/main" xmlns:r="http://schemas.openxmlformats.org/officeDocument/2006/relationships" xmlns:p="http://schemas.openxmlformats.org/presentationml/2006/main">
   <p:cSld>
     <p:spTree>
@@ -6965,23 +7343,16 @@
             </a:r>
             <a:r>
               <a:rPr lang="de-DE" dirty="0" err="1"/>
+              <a:t>Registries</a:t>
+            </a:r>
+            <a:r>
+              <a:rPr lang="de-DE" dirty="0"/>
+              <a:t> in </a:t>
+            </a:r>
+            <a:r>
+              <a:rPr lang="de-DE" dirty="0" err="1"/>
               <a:t>Gitlab</a:t>
             </a:r>
-            <a:endParaRPr lang="de-DE" dirty="0"/>
-          </a:p>
-          <a:p>
-            <a:endParaRPr lang="de-DE" dirty="0"/>
-          </a:p>
-          <a:p>
-            <a:endParaRPr lang="de-DE" dirty="0"/>
-          </a:p>
-          <a:p>
-            <a:endParaRPr lang="de-DE" dirty="0"/>
-          </a:p>
-          <a:p>
-            <a:endParaRPr lang="de-DE" dirty="0"/>
-          </a:p>
-          <a:p>
             <a:endParaRPr lang="de-DE" dirty="0"/>
           </a:p>
           <a:p>
@@ -7046,7 +7417,7 @@
             </a:r>
             <a:r>
               <a:rPr lang="de-DE" dirty="0"/>
-              <a:t>: k8s-Ressourcen</a:t>
+              <a:t>: k8s-Resources</a:t>
             </a:r>
           </a:p>
         </p:txBody>
@@ -7639,7 +8010,7 @@
           </p:cNvPr>
           <p:cNvCxnSpPr>
             <a:cxnSpLocks/>
-            <a:stCxn id="7" idx="3"/>
+            <a:stCxn id="6" idx="3"/>
             <a:endCxn id="11" idx="1"/>
           </p:cNvCxnSpPr>
           <p:nvPr/>
@@ -7647,7 +8018,7 @@
         <p:spPr>
           <a:xfrm flipV="1">
             <a:off x="2411700" y="3212997"/>
-            <a:ext cx="432060" cy="872849"/>
+            <a:ext cx="432060" cy="1741145"/>
           </a:xfrm>
           <a:prstGeom prst="bentConnector3">
             <a:avLst/>

--- a/03-von-der-applikation-zum-kubernetes-deployment/deeptalk-03.pptx
+++ b/03-von-der-applikation-zum-kubernetes-deployment/deeptalk-03.pptx
@@ -385,7 +385,7 @@
             <a:fld id="{32676DCA-960E-4391-BFD1-94775D77449F}" type="datetimeFigureOut">
               <a:rPr lang="de-DE" smtClean="0"/>
               <a:pPr/>
-              <a:t>23.06.20</a:t>
+              <a:t>24.06.20</a:t>
             </a:fld>
             <a:endParaRPr lang="de-DE"/>
           </a:p>
